--- a/02_explore/R_explore.pptx
+++ b/02_explore/R_explore.pptx
@@ -422,8 +422,8 @@
         </p:nvSpPr>
         <p:spPr>
           <a:xfrm>
-            <a:off x="381287" y="685800"/>
-            <a:ext cx="6096299" cy="3429000"/>
+            <a:off x="381288" y="685800"/>
+            <a:ext cx="6096300" cy="3429000"/>
           </a:xfrm>
           <a:custGeom>
             <a:pathLst>
@@ -517,8 +517,8 @@
         </p:nvSpPr>
         <p:spPr>
           <a:xfrm>
-            <a:off x="381287" y="685800"/>
-            <a:ext cx="6096299" cy="3429000"/>
+            <a:off x="381288" y="685800"/>
+            <a:ext cx="6096300" cy="3429000"/>
           </a:xfrm>
           <a:custGeom>
             <a:pathLst>
@@ -612,8 +612,8 @@
         </p:nvSpPr>
         <p:spPr>
           <a:xfrm>
-            <a:off x="381287" y="685800"/>
-            <a:ext cx="6096299" cy="3429000"/>
+            <a:off x="381288" y="685800"/>
+            <a:ext cx="6096300" cy="3429000"/>
           </a:xfrm>
           <a:custGeom>
             <a:pathLst>
@@ -707,8 +707,8 @@
         </p:nvSpPr>
         <p:spPr>
           <a:xfrm>
-            <a:off x="381287" y="685800"/>
-            <a:ext cx="6096299" cy="3429000"/>
+            <a:off x="381288" y="685800"/>
+            <a:ext cx="6096300" cy="3429000"/>
           </a:xfrm>
           <a:custGeom>
             <a:pathLst>
@@ -802,8 +802,8 @@
         </p:nvSpPr>
         <p:spPr>
           <a:xfrm>
-            <a:off x="381287" y="685800"/>
-            <a:ext cx="6096299" cy="3429000"/>
+            <a:off x="381288" y="685800"/>
+            <a:ext cx="6096300" cy="3429000"/>
           </a:xfrm>
           <a:custGeom>
             <a:pathLst>
@@ -897,8 +897,8 @@
         </p:nvSpPr>
         <p:spPr>
           <a:xfrm>
-            <a:off x="381287" y="685800"/>
-            <a:ext cx="6096299" cy="3429000"/>
+            <a:off x="381288" y="685800"/>
+            <a:ext cx="6096300" cy="3429000"/>
           </a:xfrm>
           <a:custGeom>
             <a:pathLst>
@@ -1087,8 +1087,8 @@
         </p:nvSpPr>
         <p:spPr>
           <a:xfrm>
-            <a:off x="381287" y="685800"/>
-            <a:ext cx="6096299" cy="3429000"/>
+            <a:off x="381288" y="685800"/>
+            <a:ext cx="6096300" cy="3429000"/>
           </a:xfrm>
           <a:custGeom>
             <a:pathLst>
@@ -1182,8 +1182,8 @@
         </p:nvSpPr>
         <p:spPr>
           <a:xfrm>
-            <a:off x="381287" y="685800"/>
-            <a:ext cx="6096299" cy="3429000"/>
+            <a:off x="381288" y="685800"/>
+            <a:ext cx="6096300" cy="3429000"/>
           </a:xfrm>
           <a:custGeom>
             <a:pathLst>
@@ -1277,8 +1277,8 @@
         </p:nvSpPr>
         <p:spPr>
           <a:xfrm>
-            <a:off x="381287" y="685800"/>
-            <a:ext cx="6096299" cy="3429000"/>
+            <a:off x="381288" y="685800"/>
+            <a:ext cx="6096300" cy="3429000"/>
           </a:xfrm>
           <a:custGeom>
             <a:pathLst>
@@ -1609,7 +1609,7 @@
         </p:nvSpPr>
         <p:spPr>
           <a:xfrm>
-            <a:off x="8472457" y="4663216"/>
+            <a:off x="8472458" y="4663217"/>
             <a:ext cx="548700" cy="393600"/>
           </a:xfrm>
           <a:prstGeom prst="rect">
@@ -1835,7 +1835,7 @@
         </p:nvSpPr>
         <p:spPr>
           <a:xfrm>
-            <a:off x="8472457" y="4663216"/>
+            <a:off x="8472458" y="4663217"/>
             <a:ext cx="548700" cy="393600"/>
           </a:xfrm>
           <a:prstGeom prst="rect">
@@ -1896,7 +1896,7 @@
         </p:nvSpPr>
         <p:spPr>
           <a:xfrm>
-            <a:off x="8472457" y="4663216"/>
+            <a:off x="8472458" y="4663217"/>
             <a:ext cx="548700" cy="393600"/>
           </a:xfrm>
           <a:prstGeom prst="rect">
@@ -1957,7 +1957,7 @@
         </p:nvSpPr>
         <p:spPr>
           <a:xfrm>
-            <a:off x="685800" y="841773"/>
+            <a:off x="685801" y="841773"/>
             <a:ext cx="7772400" cy="1790700"/>
           </a:xfrm>
           <a:prstGeom prst="rect">
@@ -2063,7 +2063,7 @@
         </p:nvSpPr>
         <p:spPr>
           <a:xfrm>
-            <a:off x="1143001" y="2701531"/>
+            <a:off x="1143001" y="2701532"/>
             <a:ext cx="6858000" cy="1241700"/>
           </a:xfrm>
           <a:prstGeom prst="rect">
@@ -2289,7 +2289,7 @@
         </p:nvSpPr>
         <p:spPr>
           <a:xfrm>
-            <a:off x="628650" y="4767269"/>
+            <a:off x="628651" y="4767269"/>
             <a:ext cx="2057400" cy="273900"/>
           </a:xfrm>
           <a:prstGeom prst="rect">
@@ -2615,8 +2615,8 @@
         </p:nvSpPr>
         <p:spPr>
           <a:xfrm>
-            <a:off x="6457955" y="4767269"/>
-            <a:ext cx="2057399" cy="273900"/>
+            <a:off x="6457956" y="4767269"/>
+            <a:ext cx="2057400" cy="273900"/>
           </a:xfrm>
           <a:prstGeom prst="rect">
             <a:avLst/>
@@ -2689,7 +2689,7 @@
         </p:nvSpPr>
         <p:spPr>
           <a:xfrm>
-            <a:off x="628650" y="273845"/>
+            <a:off x="628651" y="273845"/>
             <a:ext cx="7886700" cy="994200"/>
           </a:xfrm>
           <a:prstGeom prst="rect">
@@ -2795,7 +2795,7 @@
         </p:nvSpPr>
         <p:spPr>
           <a:xfrm>
-            <a:off x="628650" y="1369220"/>
+            <a:off x="628651" y="1369220"/>
             <a:ext cx="7886700" cy="3263400"/>
           </a:xfrm>
           <a:prstGeom prst="rect">
@@ -3030,7 +3030,7 @@
         </p:nvSpPr>
         <p:spPr>
           <a:xfrm>
-            <a:off x="628650" y="4767269"/>
+            <a:off x="628651" y="4767269"/>
             <a:ext cx="2057400" cy="273900"/>
           </a:xfrm>
           <a:prstGeom prst="rect">
@@ -3356,8 +3356,8 @@
         </p:nvSpPr>
         <p:spPr>
           <a:xfrm>
-            <a:off x="6457955" y="4767269"/>
-            <a:ext cx="2057399" cy="273900"/>
+            <a:off x="6457956" y="4767269"/>
+            <a:ext cx="2057400" cy="273900"/>
           </a:xfrm>
           <a:prstGeom prst="rect">
             <a:avLst/>
@@ -3536,7 +3536,7 @@
         </p:nvSpPr>
         <p:spPr>
           <a:xfrm>
-            <a:off x="623888" y="3442102"/>
+            <a:off x="623888" y="3442103"/>
             <a:ext cx="7886700" cy="1125300"/>
           </a:xfrm>
           <a:prstGeom prst="rect">
@@ -3762,7 +3762,7 @@
         </p:nvSpPr>
         <p:spPr>
           <a:xfrm>
-            <a:off x="628650" y="4767269"/>
+            <a:off x="628651" y="4767269"/>
             <a:ext cx="2057400" cy="273900"/>
           </a:xfrm>
           <a:prstGeom prst="rect">
@@ -4088,8 +4088,8 @@
         </p:nvSpPr>
         <p:spPr>
           <a:xfrm>
-            <a:off x="6457955" y="4767269"/>
-            <a:ext cx="2057399" cy="273900"/>
+            <a:off x="6457956" y="4767269"/>
+            <a:ext cx="2057400" cy="273900"/>
           </a:xfrm>
           <a:prstGeom prst="rect">
             <a:avLst/>
@@ -4162,7 +4162,7 @@
         </p:nvSpPr>
         <p:spPr>
           <a:xfrm>
-            <a:off x="628650" y="273845"/>
+            <a:off x="628651" y="273845"/>
             <a:ext cx="7886700" cy="994200"/>
           </a:xfrm>
           <a:prstGeom prst="rect">
@@ -4738,7 +4738,7 @@
         </p:nvSpPr>
         <p:spPr>
           <a:xfrm>
-            <a:off x="628650" y="4767269"/>
+            <a:off x="628651" y="4767269"/>
             <a:ext cx="2057400" cy="273900"/>
           </a:xfrm>
           <a:prstGeom prst="rect">
@@ -5064,8 +5064,8 @@
         </p:nvSpPr>
         <p:spPr>
           <a:xfrm>
-            <a:off x="6457955" y="4767269"/>
-            <a:ext cx="2057399" cy="273900"/>
+            <a:off x="6457956" y="4767269"/>
+            <a:ext cx="2057400" cy="273900"/>
           </a:xfrm>
           <a:prstGeom prst="rect">
             <a:avLst/>
@@ -5244,7 +5244,7 @@
         </p:nvSpPr>
         <p:spPr>
           <a:xfrm>
-            <a:off x="629842" y="1260873"/>
+            <a:off x="629843" y="1260874"/>
             <a:ext cx="3868500" cy="618000"/>
           </a:xfrm>
           <a:prstGeom prst="rect">
@@ -5470,8 +5470,8 @@
         </p:nvSpPr>
         <p:spPr>
           <a:xfrm>
-            <a:off x="629842" y="1878808"/>
-            <a:ext cx="3868500" cy="2763299"/>
+            <a:off x="629843" y="1878809"/>
+            <a:ext cx="3868500" cy="2763300"/>
           </a:xfrm>
           <a:prstGeom prst="rect">
             <a:avLst/>
@@ -5705,7 +5705,7 @@
         </p:nvSpPr>
         <p:spPr>
           <a:xfrm>
-            <a:off x="4629155" y="1260873"/>
+            <a:off x="4629155" y="1260874"/>
             <a:ext cx="3887400" cy="618000"/>
           </a:xfrm>
           <a:prstGeom prst="rect">
@@ -5931,8 +5931,8 @@
         </p:nvSpPr>
         <p:spPr>
           <a:xfrm>
-            <a:off x="4629155" y="1878808"/>
-            <a:ext cx="3887400" cy="2763299"/>
+            <a:off x="4629155" y="1878809"/>
+            <a:ext cx="3887400" cy="2763300"/>
           </a:xfrm>
           <a:prstGeom prst="rect">
             <a:avLst/>
@@ -6166,7 +6166,7 @@
         </p:nvSpPr>
         <p:spPr>
           <a:xfrm>
-            <a:off x="628650" y="4767269"/>
+            <a:off x="628651" y="4767269"/>
             <a:ext cx="2057400" cy="273900"/>
           </a:xfrm>
           <a:prstGeom prst="rect">
@@ -6492,8 +6492,8 @@
         </p:nvSpPr>
         <p:spPr>
           <a:xfrm>
-            <a:off x="6457955" y="4767269"/>
-            <a:ext cx="2057399" cy="273900"/>
+            <a:off x="6457956" y="4767269"/>
+            <a:ext cx="2057400" cy="273900"/>
           </a:xfrm>
           <a:prstGeom prst="rect">
             <a:avLst/>
@@ -6566,7 +6566,7 @@
         </p:nvSpPr>
         <p:spPr>
           <a:xfrm>
-            <a:off x="628650" y="273845"/>
+            <a:off x="628651" y="273845"/>
             <a:ext cx="7886700" cy="994200"/>
           </a:xfrm>
           <a:prstGeom prst="rect">
@@ -6672,7 +6672,7 @@
         </p:nvSpPr>
         <p:spPr>
           <a:xfrm>
-            <a:off x="628650" y="4767269"/>
+            <a:off x="628651" y="4767269"/>
             <a:ext cx="2057400" cy="273900"/>
           </a:xfrm>
           <a:prstGeom prst="rect">
@@ -6998,8 +6998,8 @@
         </p:nvSpPr>
         <p:spPr>
           <a:xfrm>
-            <a:off x="6457955" y="4767269"/>
-            <a:ext cx="2057399" cy="273900"/>
+            <a:off x="6457956" y="4767269"/>
+            <a:ext cx="2057400" cy="273900"/>
           </a:xfrm>
           <a:prstGeom prst="rect">
             <a:avLst/>
@@ -7072,7 +7072,7 @@
         </p:nvSpPr>
         <p:spPr>
           <a:xfrm>
-            <a:off x="628650" y="4767269"/>
+            <a:off x="628651" y="4767269"/>
             <a:ext cx="2057400" cy="273900"/>
           </a:xfrm>
           <a:prstGeom prst="rect">
@@ -7398,8 +7398,8 @@
         </p:nvSpPr>
         <p:spPr>
           <a:xfrm>
-            <a:off x="6457955" y="4767269"/>
-            <a:ext cx="2057399" cy="273900"/>
+            <a:off x="6457956" y="4767269"/>
+            <a:ext cx="2057400" cy="273900"/>
           </a:xfrm>
           <a:prstGeom prst="rect">
             <a:avLst/>
@@ -7578,7 +7578,7 @@
         </p:nvSpPr>
         <p:spPr>
           <a:xfrm>
-            <a:off x="3887394" y="740570"/>
+            <a:off x="3887394" y="740571"/>
             <a:ext cx="4629000" cy="3655200"/>
           </a:xfrm>
           <a:prstGeom prst="rect">
@@ -7813,8 +7813,8 @@
         </p:nvSpPr>
         <p:spPr>
           <a:xfrm>
-            <a:off x="629841" y="1543051"/>
-            <a:ext cx="2949000" cy="2858699"/>
+            <a:off x="629841" y="1543052"/>
+            <a:ext cx="2949000" cy="2858700"/>
           </a:xfrm>
           <a:prstGeom prst="rect">
             <a:avLst/>
@@ -8039,7 +8039,7 @@
         </p:nvSpPr>
         <p:spPr>
           <a:xfrm>
-            <a:off x="628650" y="4767269"/>
+            <a:off x="628651" y="4767269"/>
             <a:ext cx="2057400" cy="273900"/>
           </a:xfrm>
           <a:prstGeom prst="rect">
@@ -8365,8 +8365,8 @@
         </p:nvSpPr>
         <p:spPr>
           <a:xfrm>
-            <a:off x="6457955" y="4767269"/>
-            <a:ext cx="2057399" cy="273900"/>
+            <a:off x="6457956" y="4767269"/>
+            <a:ext cx="2057400" cy="273900"/>
           </a:xfrm>
           <a:prstGeom prst="rect">
             <a:avLst/>
@@ -8526,7 +8526,7 @@
         </p:nvSpPr>
         <p:spPr>
           <a:xfrm>
-            <a:off x="8472457" y="4663216"/>
+            <a:off x="8472458" y="4663217"/>
             <a:ext cx="548700" cy="393600"/>
           </a:xfrm>
           <a:prstGeom prst="rect">
@@ -8693,7 +8693,7 @@
         </p:nvSpPr>
         <p:spPr>
           <a:xfrm>
-            <a:off x="3887394" y="740570"/>
+            <a:off x="3887394" y="740571"/>
             <a:ext cx="4629000" cy="3655200"/>
           </a:xfrm>
           <a:prstGeom prst="rect">
@@ -8928,8 +8928,8 @@
         </p:nvSpPr>
         <p:spPr>
           <a:xfrm>
-            <a:off x="629841" y="1543051"/>
-            <a:ext cx="2949000" cy="2858699"/>
+            <a:off x="629841" y="1543052"/>
+            <a:ext cx="2949000" cy="2858700"/>
           </a:xfrm>
           <a:prstGeom prst="rect">
             <a:avLst/>
@@ -9154,7 +9154,7 @@
         </p:nvSpPr>
         <p:spPr>
           <a:xfrm>
-            <a:off x="628650" y="4767269"/>
+            <a:off x="628651" y="4767269"/>
             <a:ext cx="2057400" cy="273900"/>
           </a:xfrm>
           <a:prstGeom prst="rect">
@@ -9480,8 +9480,8 @@
         </p:nvSpPr>
         <p:spPr>
           <a:xfrm>
-            <a:off x="6457955" y="4767269"/>
-            <a:ext cx="2057399" cy="273900"/>
+            <a:off x="6457956" y="4767269"/>
+            <a:ext cx="2057400" cy="273900"/>
           </a:xfrm>
           <a:prstGeom prst="rect">
             <a:avLst/>
@@ -9554,7 +9554,7 @@
         </p:nvSpPr>
         <p:spPr>
           <a:xfrm>
-            <a:off x="628650" y="273845"/>
+            <a:off x="628651" y="273845"/>
             <a:ext cx="7886700" cy="994200"/>
           </a:xfrm>
           <a:prstGeom prst="rect">
@@ -9660,7 +9660,7 @@
         </p:nvSpPr>
         <p:spPr>
           <a:xfrm rot="5400000">
-            <a:off x="2940307" y="-942429"/>
+            <a:off x="2940308" y="-942430"/>
             <a:ext cx="3263400" cy="7886700"/>
           </a:xfrm>
           <a:prstGeom prst="rect">
@@ -9895,7 +9895,7 @@
         </p:nvSpPr>
         <p:spPr>
           <a:xfrm>
-            <a:off x="628650" y="4767269"/>
+            <a:off x="628651" y="4767269"/>
             <a:ext cx="2057400" cy="273900"/>
           </a:xfrm>
           <a:prstGeom prst="rect">
@@ -10221,8 +10221,8 @@
         </p:nvSpPr>
         <p:spPr>
           <a:xfrm>
-            <a:off x="6457955" y="4767269"/>
-            <a:ext cx="2057399" cy="273900"/>
+            <a:off x="6457956" y="4767269"/>
+            <a:ext cx="2057400" cy="273900"/>
           </a:xfrm>
           <a:prstGeom prst="rect">
             <a:avLst/>
@@ -10295,7 +10295,7 @@
         </p:nvSpPr>
         <p:spPr>
           <a:xfrm rot="5400000">
-            <a:off x="5350057" y="1467543"/>
+            <a:off x="5350058" y="1467544"/>
             <a:ext cx="4359000" cy="1971600"/>
           </a:xfrm>
           <a:prstGeom prst="rect">
@@ -10401,7 +10401,7 @@
         </p:nvSpPr>
         <p:spPr>
           <a:xfrm rot="5400000">
-            <a:off x="1349630" y="-446906"/>
+            <a:off x="1349631" y="-446906"/>
             <a:ext cx="4359000" cy="5800500"/>
           </a:xfrm>
           <a:prstGeom prst="rect">
@@ -10636,7 +10636,7 @@
         </p:nvSpPr>
         <p:spPr>
           <a:xfrm>
-            <a:off x="628650" y="4767269"/>
+            <a:off x="628651" y="4767269"/>
             <a:ext cx="2057400" cy="273900"/>
           </a:xfrm>
           <a:prstGeom prst="rect">
@@ -10962,8 +10962,8 @@
         </p:nvSpPr>
         <p:spPr>
           <a:xfrm>
-            <a:off x="6457955" y="4767269"/>
-            <a:ext cx="2057399" cy="273900"/>
+            <a:off x="6457956" y="4767269"/>
+            <a:ext cx="2057400" cy="273900"/>
           </a:xfrm>
           <a:prstGeom prst="rect">
             <a:avLst/>
@@ -11036,7 +11036,7 @@
         </p:nvSpPr>
         <p:spPr>
           <a:xfrm>
-            <a:off x="685800" y="841773"/>
+            <a:off x="685801" y="841773"/>
             <a:ext cx="7772400" cy="1790700"/>
           </a:xfrm>
           <a:prstGeom prst="rect">
@@ -11142,7 +11142,7 @@
         </p:nvSpPr>
         <p:spPr>
           <a:xfrm>
-            <a:off x="1143001" y="2701531"/>
+            <a:off x="1143001" y="2701532"/>
             <a:ext cx="6858000" cy="1241700"/>
           </a:xfrm>
           <a:prstGeom prst="rect">
@@ -11368,7 +11368,7 @@
         </p:nvSpPr>
         <p:spPr>
           <a:xfrm>
-            <a:off x="628650" y="4767269"/>
+            <a:off x="628651" y="4767269"/>
             <a:ext cx="2057400" cy="273900"/>
           </a:xfrm>
           <a:prstGeom prst="rect">
@@ -11694,8 +11694,8 @@
         </p:nvSpPr>
         <p:spPr>
           <a:xfrm>
-            <a:off x="6457955" y="4767269"/>
-            <a:ext cx="2057399" cy="273900"/>
+            <a:off x="6457956" y="4767269"/>
+            <a:ext cx="2057400" cy="273900"/>
           </a:xfrm>
           <a:prstGeom prst="rect">
             <a:avLst/>
@@ -11768,7 +11768,7 @@
         </p:nvSpPr>
         <p:spPr>
           <a:xfrm>
-            <a:off x="628650" y="273845"/>
+            <a:off x="628651" y="273845"/>
             <a:ext cx="7886700" cy="994200"/>
           </a:xfrm>
           <a:prstGeom prst="rect">
@@ -11874,7 +11874,7 @@
         </p:nvSpPr>
         <p:spPr>
           <a:xfrm>
-            <a:off x="628650" y="1369220"/>
+            <a:off x="628651" y="1369220"/>
             <a:ext cx="7886700" cy="3263400"/>
           </a:xfrm>
           <a:prstGeom prst="rect">
@@ -12105,7 +12105,7 @@
         </p:nvSpPr>
         <p:spPr>
           <a:xfrm>
-            <a:off x="628650" y="4767269"/>
+            <a:off x="628651" y="4767269"/>
             <a:ext cx="2057400" cy="273900"/>
           </a:xfrm>
           <a:prstGeom prst="rect">
@@ -12431,8 +12431,8 @@
         </p:nvSpPr>
         <p:spPr>
           <a:xfrm>
-            <a:off x="6457955" y="4767269"/>
-            <a:ext cx="2057399" cy="273900"/>
+            <a:off x="6457956" y="4767269"/>
+            <a:ext cx="2057400" cy="273900"/>
           </a:xfrm>
           <a:prstGeom prst="rect">
             <a:avLst/>
@@ -12611,7 +12611,7 @@
         </p:nvSpPr>
         <p:spPr>
           <a:xfrm>
-            <a:off x="623888" y="3442102"/>
+            <a:off x="623888" y="3442103"/>
             <a:ext cx="7886700" cy="1125300"/>
           </a:xfrm>
           <a:prstGeom prst="rect">
@@ -12837,7 +12837,7 @@
         </p:nvSpPr>
         <p:spPr>
           <a:xfrm>
-            <a:off x="628650" y="4767269"/>
+            <a:off x="628651" y="4767269"/>
             <a:ext cx="2057400" cy="273900"/>
           </a:xfrm>
           <a:prstGeom prst="rect">
@@ -13163,8 +13163,8 @@
         </p:nvSpPr>
         <p:spPr>
           <a:xfrm>
-            <a:off x="6457955" y="4767269"/>
-            <a:ext cx="2057399" cy="273900"/>
+            <a:off x="6457956" y="4767269"/>
+            <a:ext cx="2057400" cy="273900"/>
           </a:xfrm>
           <a:prstGeom prst="rect">
             <a:avLst/>
@@ -13237,7 +13237,7 @@
         </p:nvSpPr>
         <p:spPr>
           <a:xfrm>
-            <a:off x="628650" y="273845"/>
+            <a:off x="628651" y="273845"/>
             <a:ext cx="7886700" cy="994200"/>
           </a:xfrm>
           <a:prstGeom prst="rect">
@@ -13813,7 +13813,7 @@
         </p:nvSpPr>
         <p:spPr>
           <a:xfrm>
-            <a:off x="628650" y="4767269"/>
+            <a:off x="628651" y="4767269"/>
             <a:ext cx="2057400" cy="273900"/>
           </a:xfrm>
           <a:prstGeom prst="rect">
@@ -14139,8 +14139,8 @@
         </p:nvSpPr>
         <p:spPr>
           <a:xfrm>
-            <a:off x="6457955" y="4767269"/>
-            <a:ext cx="2057399" cy="273900"/>
+            <a:off x="6457956" y="4767269"/>
+            <a:ext cx="2057400" cy="273900"/>
           </a:xfrm>
           <a:prstGeom prst="rect">
             <a:avLst/>
@@ -14319,7 +14319,7 @@
         </p:nvSpPr>
         <p:spPr>
           <a:xfrm>
-            <a:off x="629842" y="1260873"/>
+            <a:off x="629843" y="1260874"/>
             <a:ext cx="3868500" cy="618000"/>
           </a:xfrm>
           <a:prstGeom prst="rect">
@@ -14545,8 +14545,8 @@
         </p:nvSpPr>
         <p:spPr>
           <a:xfrm>
-            <a:off x="629842" y="1878808"/>
-            <a:ext cx="3868500" cy="2763299"/>
+            <a:off x="629843" y="1878809"/>
+            <a:ext cx="3868500" cy="2763300"/>
           </a:xfrm>
           <a:prstGeom prst="rect">
             <a:avLst/>
@@ -14780,7 +14780,7 @@
         </p:nvSpPr>
         <p:spPr>
           <a:xfrm>
-            <a:off x="4629155" y="1260873"/>
+            <a:off x="4629155" y="1260874"/>
             <a:ext cx="3887400" cy="618000"/>
           </a:xfrm>
           <a:prstGeom prst="rect">
@@ -15006,8 +15006,8 @@
         </p:nvSpPr>
         <p:spPr>
           <a:xfrm>
-            <a:off x="4629155" y="1878808"/>
-            <a:ext cx="3887400" cy="2763299"/>
+            <a:off x="4629155" y="1878809"/>
+            <a:ext cx="3887400" cy="2763300"/>
           </a:xfrm>
           <a:prstGeom prst="rect">
             <a:avLst/>
@@ -15241,7 +15241,7 @@
         </p:nvSpPr>
         <p:spPr>
           <a:xfrm>
-            <a:off x="628650" y="4767269"/>
+            <a:off x="628651" y="4767269"/>
             <a:ext cx="2057400" cy="273900"/>
           </a:xfrm>
           <a:prstGeom prst="rect">
@@ -15567,8 +15567,8 @@
         </p:nvSpPr>
         <p:spPr>
           <a:xfrm>
-            <a:off x="6457955" y="4767269"/>
-            <a:ext cx="2057399" cy="273900"/>
+            <a:off x="6457956" y="4767269"/>
+            <a:ext cx="2057400" cy="273900"/>
           </a:xfrm>
           <a:prstGeom prst="rect">
             <a:avLst/>
@@ -15641,7 +15641,7 @@
         </p:nvSpPr>
         <p:spPr>
           <a:xfrm>
-            <a:off x="628650" y="273845"/>
+            <a:off x="628651" y="273845"/>
             <a:ext cx="7886700" cy="994200"/>
           </a:xfrm>
           <a:prstGeom prst="rect">
@@ -15747,7 +15747,7 @@
         </p:nvSpPr>
         <p:spPr>
           <a:xfrm>
-            <a:off x="628650" y="4767269"/>
+            <a:off x="628651" y="4767269"/>
             <a:ext cx="2057400" cy="273900"/>
           </a:xfrm>
           <a:prstGeom prst="rect">
@@ -16073,8 +16073,8 @@
         </p:nvSpPr>
         <p:spPr>
           <a:xfrm>
-            <a:off x="6457955" y="4767269"/>
-            <a:ext cx="2057399" cy="273900"/>
+            <a:off x="6457956" y="4767269"/>
+            <a:ext cx="2057400" cy="273900"/>
           </a:xfrm>
           <a:prstGeom prst="rect">
             <a:avLst/>
@@ -16147,7 +16147,7 @@
         </p:nvSpPr>
         <p:spPr>
           <a:xfrm>
-            <a:off x="628650" y="4767269"/>
+            <a:off x="628651" y="4767269"/>
             <a:ext cx="2057400" cy="273900"/>
           </a:xfrm>
           <a:prstGeom prst="rect">
@@ -16473,8 +16473,8 @@
         </p:nvSpPr>
         <p:spPr>
           <a:xfrm>
-            <a:off x="6457955" y="4767269"/>
-            <a:ext cx="2057399" cy="273900"/>
+            <a:off x="6457956" y="4767269"/>
+            <a:ext cx="2057400" cy="273900"/>
           </a:xfrm>
           <a:prstGeom prst="rect">
             <a:avLst/>
@@ -16703,7 +16703,7 @@
         </p:nvSpPr>
         <p:spPr>
           <a:xfrm>
-            <a:off x="8472457" y="4663216"/>
+            <a:off x="8472458" y="4663217"/>
             <a:ext cx="548700" cy="393600"/>
           </a:xfrm>
           <a:prstGeom prst="rect">
@@ -16870,7 +16870,7 @@
         </p:nvSpPr>
         <p:spPr>
           <a:xfrm>
-            <a:off x="3887394" y="740570"/>
+            <a:off x="3887394" y="740571"/>
             <a:ext cx="4629000" cy="3655200"/>
           </a:xfrm>
           <a:prstGeom prst="rect">
@@ -17105,8 +17105,8 @@
         </p:nvSpPr>
         <p:spPr>
           <a:xfrm>
-            <a:off x="629841" y="1543051"/>
-            <a:ext cx="2949000" cy="2858699"/>
+            <a:off x="629841" y="1543052"/>
+            <a:ext cx="2949000" cy="2858700"/>
           </a:xfrm>
           <a:prstGeom prst="rect">
             <a:avLst/>
@@ -17331,7 +17331,7 @@
         </p:nvSpPr>
         <p:spPr>
           <a:xfrm>
-            <a:off x="628650" y="4767269"/>
+            <a:off x="628651" y="4767269"/>
             <a:ext cx="2057400" cy="273900"/>
           </a:xfrm>
           <a:prstGeom prst="rect">
@@ -17657,8 +17657,8 @@
         </p:nvSpPr>
         <p:spPr>
           <a:xfrm>
-            <a:off x="6457955" y="4767269"/>
-            <a:ext cx="2057399" cy="273900"/>
+            <a:off x="6457956" y="4767269"/>
+            <a:ext cx="2057400" cy="273900"/>
           </a:xfrm>
           <a:prstGeom prst="rect">
             <a:avLst/>
@@ -17837,7 +17837,7 @@
         </p:nvSpPr>
         <p:spPr>
           <a:xfrm>
-            <a:off x="3887394" y="740570"/>
+            <a:off x="3887394" y="740571"/>
             <a:ext cx="4629000" cy="3655200"/>
           </a:xfrm>
           <a:prstGeom prst="rect">
@@ -18072,8 +18072,8 @@
         </p:nvSpPr>
         <p:spPr>
           <a:xfrm>
-            <a:off x="629841" y="1543051"/>
-            <a:ext cx="2949000" cy="2858699"/>
+            <a:off x="629841" y="1543052"/>
+            <a:ext cx="2949000" cy="2858700"/>
           </a:xfrm>
           <a:prstGeom prst="rect">
             <a:avLst/>
@@ -18298,7 +18298,7 @@
         </p:nvSpPr>
         <p:spPr>
           <a:xfrm>
-            <a:off x="628650" y="4767269"/>
+            <a:off x="628651" y="4767269"/>
             <a:ext cx="2057400" cy="273900"/>
           </a:xfrm>
           <a:prstGeom prst="rect">
@@ -18624,8 +18624,8 @@
         </p:nvSpPr>
         <p:spPr>
           <a:xfrm>
-            <a:off x="6457955" y="4767269"/>
-            <a:ext cx="2057399" cy="273900"/>
+            <a:off x="6457956" y="4767269"/>
+            <a:ext cx="2057400" cy="273900"/>
           </a:xfrm>
           <a:prstGeom prst="rect">
             <a:avLst/>
@@ -18698,7 +18698,7 @@
         </p:nvSpPr>
         <p:spPr>
           <a:xfrm>
-            <a:off x="628650" y="273845"/>
+            <a:off x="628651" y="273845"/>
             <a:ext cx="7886700" cy="994200"/>
           </a:xfrm>
           <a:prstGeom prst="rect">
@@ -18804,7 +18804,7 @@
         </p:nvSpPr>
         <p:spPr>
           <a:xfrm rot="5400000">
-            <a:off x="2940307" y="-942429"/>
+            <a:off x="2940308" y="-942430"/>
             <a:ext cx="3263400" cy="7886700"/>
           </a:xfrm>
           <a:prstGeom prst="rect">
@@ -19039,7 +19039,7 @@
         </p:nvSpPr>
         <p:spPr>
           <a:xfrm>
-            <a:off x="628650" y="4767269"/>
+            <a:off x="628651" y="4767269"/>
             <a:ext cx="2057400" cy="273900"/>
           </a:xfrm>
           <a:prstGeom prst="rect">
@@ -19365,8 +19365,8 @@
         </p:nvSpPr>
         <p:spPr>
           <a:xfrm>
-            <a:off x="6457955" y="4767269"/>
-            <a:ext cx="2057399" cy="273900"/>
+            <a:off x="6457956" y="4767269"/>
+            <a:ext cx="2057400" cy="273900"/>
           </a:xfrm>
           <a:prstGeom prst="rect">
             <a:avLst/>
@@ -19439,7 +19439,7 @@
         </p:nvSpPr>
         <p:spPr>
           <a:xfrm rot="5400000">
-            <a:off x="5350057" y="1467543"/>
+            <a:off x="5350058" y="1467544"/>
             <a:ext cx="4359000" cy="1971600"/>
           </a:xfrm>
           <a:prstGeom prst="rect">
@@ -19545,7 +19545,7 @@
         </p:nvSpPr>
         <p:spPr>
           <a:xfrm rot="5400000">
-            <a:off x="1349630" y="-446906"/>
+            <a:off x="1349631" y="-446906"/>
             <a:ext cx="4359000" cy="5800500"/>
           </a:xfrm>
           <a:prstGeom prst="rect">
@@ -19780,7 +19780,7 @@
         </p:nvSpPr>
         <p:spPr>
           <a:xfrm>
-            <a:off x="628650" y="4767269"/>
+            <a:off x="628651" y="4767269"/>
             <a:ext cx="2057400" cy="273900"/>
           </a:xfrm>
           <a:prstGeom prst="rect">
@@ -20106,8 +20106,8 @@
         </p:nvSpPr>
         <p:spPr>
           <a:xfrm>
-            <a:off x="6457955" y="4767269"/>
-            <a:ext cx="2057399" cy="273900"/>
+            <a:off x="6457956" y="4767269"/>
+            <a:ext cx="2057400" cy="273900"/>
           </a:xfrm>
           <a:prstGeom prst="rect">
             <a:avLst/>
@@ -20432,7 +20432,7 @@
         </p:nvSpPr>
         <p:spPr>
           <a:xfrm>
-            <a:off x="8472457" y="4663216"/>
+            <a:off x="8472458" y="4663217"/>
             <a:ext cx="548700" cy="393600"/>
           </a:xfrm>
           <a:prstGeom prst="rect">
@@ -20571,7 +20571,7 @@
         </p:nvSpPr>
         <p:spPr>
           <a:xfrm>
-            <a:off x="8472457" y="4663216"/>
+            <a:off x="8472458" y="4663217"/>
             <a:ext cx="548700" cy="393600"/>
           </a:xfrm>
           <a:prstGeom prst="rect">
@@ -20806,7 +20806,7 @@
         </p:nvSpPr>
         <p:spPr>
           <a:xfrm>
-            <a:off x="8472457" y="4663216"/>
+            <a:off x="8472458" y="4663217"/>
             <a:ext cx="548700" cy="393600"/>
           </a:xfrm>
           <a:prstGeom prst="rect">
@@ -20954,7 +20954,7 @@
         </p:nvSpPr>
         <p:spPr>
           <a:xfrm>
-            <a:off x="8472457" y="4663216"/>
+            <a:off x="8472458" y="4663217"/>
             <a:ext cx="548700" cy="393600"/>
           </a:xfrm>
           <a:prstGeom prst="rect">
@@ -21370,7 +21370,7 @@
         </p:nvSpPr>
         <p:spPr>
           <a:xfrm>
-            <a:off x="8472457" y="4663216"/>
+            <a:off x="8472458" y="4663217"/>
             <a:ext cx="548700" cy="393600"/>
           </a:xfrm>
           <a:prstGeom prst="rect">
@@ -21468,7 +21468,7 @@
         </p:nvSpPr>
         <p:spPr>
           <a:xfrm>
-            <a:off x="8472457" y="4663216"/>
+            <a:off x="8472458" y="4663217"/>
             <a:ext cx="548700" cy="393600"/>
           </a:xfrm>
           <a:prstGeom prst="rect">
@@ -21908,7 +21908,7 @@
         </p:nvSpPr>
         <p:spPr>
           <a:xfrm>
-            <a:off x="8472457" y="4663216"/>
+            <a:off x="8472458" y="4663217"/>
             <a:ext cx="548700" cy="393600"/>
           </a:xfrm>
           <a:prstGeom prst="rect">
@@ -22436,7 +22436,7 @@
         </p:nvSpPr>
         <p:spPr>
           <a:xfrm>
-            <a:off x="628650" y="273845"/>
+            <a:off x="628651" y="273845"/>
             <a:ext cx="7886700" cy="994200"/>
           </a:xfrm>
           <a:prstGeom prst="rect">
@@ -22551,7 +22551,7 @@
         </p:nvSpPr>
         <p:spPr>
           <a:xfrm>
-            <a:off x="628650" y="1369220"/>
+            <a:off x="628651" y="1369220"/>
             <a:ext cx="7886700" cy="3263400"/>
           </a:xfrm>
           <a:prstGeom prst="rect">
@@ -22786,7 +22786,7 @@
         </p:nvSpPr>
         <p:spPr>
           <a:xfrm>
-            <a:off x="628650" y="4767269"/>
+            <a:off x="628651" y="4767269"/>
             <a:ext cx="2057400" cy="273900"/>
           </a:xfrm>
           <a:prstGeom prst="rect">
@@ -23130,8 +23130,8 @@
         </p:nvSpPr>
         <p:spPr>
           <a:xfrm>
-            <a:off x="6457955" y="4767269"/>
-            <a:ext cx="2057399" cy="273900"/>
+            <a:off x="6457956" y="4767269"/>
+            <a:ext cx="2057400" cy="273900"/>
           </a:xfrm>
           <a:prstGeom prst="rect">
             <a:avLst/>
@@ -23690,7 +23690,7 @@
         </p:nvSpPr>
         <p:spPr>
           <a:xfrm>
-            <a:off x="628650" y="273845"/>
+            <a:off x="628651" y="273845"/>
             <a:ext cx="7886700" cy="994200"/>
           </a:xfrm>
           <a:prstGeom prst="rect">
@@ -23805,7 +23805,7 @@
         </p:nvSpPr>
         <p:spPr>
           <a:xfrm>
-            <a:off x="628650" y="1369220"/>
+            <a:off x="628651" y="1369220"/>
             <a:ext cx="7886700" cy="3263400"/>
           </a:xfrm>
           <a:prstGeom prst="rect">
@@ -24040,7 +24040,7 @@
         </p:nvSpPr>
         <p:spPr>
           <a:xfrm>
-            <a:off x="628650" y="4767269"/>
+            <a:off x="628651" y="4767269"/>
             <a:ext cx="2057400" cy="273900"/>
           </a:xfrm>
           <a:prstGeom prst="rect">
@@ -24384,8 +24384,8 @@
         </p:nvSpPr>
         <p:spPr>
           <a:xfrm>
-            <a:off x="6457955" y="4767269"/>
-            <a:ext cx="2057399" cy="273900"/>
+            <a:off x="6457956" y="4767269"/>
+            <a:ext cx="2057400" cy="273900"/>
           </a:xfrm>
           <a:prstGeom prst="rect">
             <a:avLst/>
@@ -24937,7 +24937,7 @@
         </p:nvSpPr>
         <p:spPr>
           <a:xfrm>
-            <a:off x="628650" y="273845"/>
+            <a:off x="628651" y="273845"/>
             <a:ext cx="7886700" cy="994200"/>
           </a:xfrm>
           <a:prstGeom prst="rect">
@@ -24973,7 +24973,7 @@
         </p:nvSpPr>
         <p:spPr>
           <a:xfrm>
-            <a:off x="628650" y="1369220"/>
+            <a:off x="628651" y="1369220"/>
             <a:ext cx="7886700" cy="3263400"/>
           </a:xfrm>
           <a:prstGeom prst="rect">
@@ -25015,8 +25015,8 @@
         </p:blipFill>
         <p:spPr>
           <a:xfrm>
-            <a:off x="1" y="1320686"/>
-            <a:ext cx="9144000" cy="3360477"/>
+            <a:off x="1" y="1320687"/>
+            <a:ext cx="9144001" cy="3360477"/>
           </a:xfrm>
           <a:prstGeom prst="rect">
             <a:avLst/>
@@ -25062,7 +25062,7 @@
         </p:nvSpPr>
         <p:spPr>
           <a:xfrm>
-            <a:off x="628650" y="273845"/>
+            <a:off x="628651" y="273845"/>
             <a:ext cx="7886700" cy="994200"/>
           </a:xfrm>
           <a:prstGeom prst="rect">
@@ -25098,7 +25098,7 @@
         </p:nvSpPr>
         <p:spPr>
           <a:xfrm>
-            <a:off x="628650" y="1369220"/>
+            <a:off x="628651" y="1369220"/>
             <a:ext cx="7886700" cy="3263400"/>
           </a:xfrm>
           <a:prstGeom prst="rect">
@@ -25180,7 +25180,7 @@
         </p:nvSpPr>
         <p:spPr>
           <a:xfrm>
-            <a:off x="628650" y="273845"/>
+            <a:off x="628651" y="273845"/>
             <a:ext cx="7886700" cy="994200"/>
           </a:xfrm>
           <a:prstGeom prst="rect">
@@ -25216,7 +25216,7 @@
         </p:nvSpPr>
         <p:spPr>
           <a:xfrm>
-            <a:off x="628650" y="1369220"/>
+            <a:off x="628651" y="1369220"/>
             <a:ext cx="7886700" cy="3263400"/>
           </a:xfrm>
           <a:prstGeom prst="rect">
@@ -25301,7 +25301,7 @@
         </p:nvSpPr>
         <p:spPr>
           <a:xfrm>
-            <a:off x="628650" y="273845"/>
+            <a:off x="628651" y="273845"/>
             <a:ext cx="7886700" cy="994200"/>
           </a:xfrm>
           <a:prstGeom prst="rect">
@@ -25341,7 +25341,7 @@
         </p:nvSpPr>
         <p:spPr>
           <a:xfrm>
-            <a:off x="628650" y="1369220"/>
+            <a:off x="628651" y="1369220"/>
             <a:ext cx="7886700" cy="3263400"/>
           </a:xfrm>
           <a:prstGeom prst="rect">
@@ -25362,31 +25362,15 @@
             </a:pPr>
             <a:r>
               <a:rPr lang="es-419"/>
-              <a:t>title</a:t>
+              <a:t>title, necesitan poner la </a:t>
             </a:r>
-          </a:p>
-          <a:p>
-            <a:pPr lvl="0">
-              <a:spcBef>
-                <a:spcPts val="0"/>
-              </a:spcBef>
-              <a:buNone/>
-            </a:pPr>
             <a:r>
               <a:rPr lang="es-419"/>
-              <a:t>subtitle</a:t>
+              <a:t>conclusión</a:t>
             </a:r>
-          </a:p>
-          <a:p>
-            <a:pPr lvl="0">
-              <a:spcBef>
-                <a:spcPts val="0"/>
-              </a:spcBef>
-              <a:buNone/>
-            </a:pPr>
             <a:r>
               <a:rPr lang="es-419"/>
-              <a:t>caption</a:t>
+              <a:t> y no la descripcion</a:t>
             </a:r>
           </a:p>
           <a:p>
@@ -25411,18 +25395,6 @@
             <a:r>
               <a:rPr lang="es-419"/>
               <a:t>y</a:t>
-            </a:r>
-          </a:p>
-          <a:p>
-            <a:pPr lvl="0" rtl="0">
-              <a:spcBef>
-                <a:spcPts val="0"/>
-              </a:spcBef>
-              <a:buNone/>
-            </a:pPr>
-            <a:r>
-              <a:rPr lang="es-419"/>
-              <a:t>title must contain the conclusion not the description</a:t>
             </a:r>
           </a:p>
         </p:txBody>
@@ -25462,7 +25434,7 @@
         </p:nvSpPr>
         <p:spPr>
           <a:xfrm>
-            <a:off x="628650" y="273845"/>
+            <a:off x="628651" y="273845"/>
             <a:ext cx="7886700" cy="994200"/>
           </a:xfrm>
           <a:prstGeom prst="rect">
@@ -25502,7 +25474,7 @@
         </p:nvSpPr>
         <p:spPr>
           <a:xfrm>
-            <a:off x="628650" y="1369220"/>
+            <a:off x="628651" y="1369220"/>
             <a:ext cx="7886700" cy="3263400"/>
           </a:xfrm>
           <a:prstGeom prst="rect">
@@ -25575,7 +25547,7 @@
         </p:nvSpPr>
         <p:spPr>
           <a:xfrm>
-            <a:off x="628650" y="273845"/>
+            <a:off x="628651" y="273845"/>
             <a:ext cx="7886700" cy="994200"/>
           </a:xfrm>
           <a:prstGeom prst="rect">
@@ -25611,7 +25583,7 @@
         </p:nvSpPr>
         <p:spPr>
           <a:xfrm>
-            <a:off x="628650" y="1369220"/>
+            <a:off x="628651" y="1369220"/>
             <a:ext cx="7886700" cy="3263400"/>
           </a:xfrm>
           <a:prstGeom prst="rect">
@@ -25672,7 +25644,7 @@
         </p:nvSpPr>
         <p:spPr>
           <a:xfrm>
-            <a:off x="628650" y="273845"/>
+            <a:off x="628651" y="273845"/>
             <a:ext cx="7886700" cy="994200"/>
           </a:xfrm>
           <a:prstGeom prst="rect">
@@ -25712,7 +25684,7 @@
         </p:nvSpPr>
         <p:spPr>
           <a:xfrm>
-            <a:off x="628650" y="1369220"/>
+            <a:off x="628651" y="1369220"/>
             <a:ext cx="7886700" cy="3263400"/>
           </a:xfrm>
           <a:prstGeom prst="rect">
@@ -25801,7 +25773,7 @@
             <a:tbl>
               <a:tblPr>
                 <a:noFill/>
-                <a:tableStyleId>{D7737614-CE68-4CA7-A496-2F2EB5659B1C}</a:tableStyleId>
+                <a:tableStyleId>{12E72BC2-7022-483E-93CF-D85EB385121D}</a:tableStyleId>
               </a:tblPr>
               <a:tblGrid>
                 <a:gridCol w="2413000"/>
@@ -26119,7 +26091,7 @@
         </p:nvSpPr>
         <p:spPr>
           <a:xfrm>
-            <a:off x="628650" y="273845"/>
+            <a:off x="628651" y="273845"/>
             <a:ext cx="7886700" cy="994200"/>
           </a:xfrm>
           <a:prstGeom prst="rect">
@@ -26155,7 +26127,7 @@
         </p:nvSpPr>
         <p:spPr>
           <a:xfrm>
-            <a:off x="628650" y="1369220"/>
+            <a:off x="628651" y="1369220"/>
             <a:ext cx="7886700" cy="3263400"/>
           </a:xfrm>
           <a:prstGeom prst="rect">
@@ -26301,7 +26273,7 @@
         </p:nvSpPr>
         <p:spPr>
           <a:xfrm>
-            <a:off x="628650" y="273845"/>
+            <a:off x="628651" y="273845"/>
             <a:ext cx="7886700" cy="994200"/>
           </a:xfrm>
           <a:prstGeom prst="rect">
@@ -26337,7 +26309,7 @@
         </p:nvSpPr>
         <p:spPr>
           <a:xfrm>
-            <a:off x="628650" y="1293020"/>
+            <a:off x="628651" y="1293020"/>
             <a:ext cx="7886700" cy="3263400"/>
           </a:xfrm>
           <a:prstGeom prst="rect">
@@ -26494,7 +26466,7 @@
         </p:nvSpPr>
         <p:spPr>
           <a:xfrm>
-            <a:off x="628650" y="273845"/>
+            <a:off x="628651" y="273845"/>
             <a:ext cx="7886700" cy="994200"/>
           </a:xfrm>
           <a:prstGeom prst="rect">
@@ -26712,9 +26684,9 @@
 </file>
 
 <file path=ppt/theme/theme1.xml><?xml version="1.0" encoding="utf-8"?>
-<a:theme xmlns:a="http://schemas.openxmlformats.org/drawingml/2006/main" xmlns:r="http://schemas.openxmlformats.org/officeDocument/2006/relationships" name="Custom Theme">
+<a:theme xmlns:a="http://schemas.openxmlformats.org/drawingml/2006/main" xmlns:r="http://schemas.openxmlformats.org/officeDocument/2006/relationships" name="Tema BSGRUPO">
   <a:themeElements>
-    <a:clrScheme name="Default">
+    <a:clrScheme name="Tema de Office">
       <a:dk1>
         <a:srgbClr val="000000"/>
       </a:dk1>
@@ -26722,34 +26694,34 @@
         <a:srgbClr val="FFFFFF"/>
       </a:lt1>
       <a:dk2>
-        <a:srgbClr val="158158"/>
+        <a:srgbClr val="44546A"/>
       </a:dk2>
       <a:lt2>
-        <a:srgbClr val="F3F3F3"/>
+        <a:srgbClr val="E7E6E6"/>
       </a:lt2>
       <a:accent1>
-        <a:srgbClr val="058DC7"/>
+        <a:srgbClr val="5B9BD5"/>
       </a:accent1>
       <a:accent2>
-        <a:srgbClr val="50B432"/>
+        <a:srgbClr val="ED7D31"/>
       </a:accent2>
       <a:accent3>
-        <a:srgbClr val="ED561B"/>
+        <a:srgbClr val="A5A5A5"/>
       </a:accent3>
       <a:accent4>
-        <a:srgbClr val="EDEF00"/>
+        <a:srgbClr val="FFC000"/>
       </a:accent4>
       <a:accent5>
-        <a:srgbClr val="24CBE5"/>
+        <a:srgbClr val="4472C4"/>
       </a:accent5>
       <a:accent6>
-        <a:srgbClr val="64E572"/>
+        <a:srgbClr val="70AD47"/>
       </a:accent6>
       <a:hlink>
-        <a:srgbClr val="2200CC"/>
+        <a:srgbClr val="0563C1"/>
       </a:hlink>
       <a:folHlink>
-        <a:srgbClr val="551A8B"/>
+        <a:srgbClr val="954F72"/>
       </a:folHlink>
     </a:clrScheme>
     <a:fontScheme name="Office">
@@ -27549,9 +27521,9 @@
 </file>
 
 <file path=ppt/theme/theme4.xml><?xml version="1.0" encoding="utf-8"?>
-<a:theme xmlns:a="http://schemas.openxmlformats.org/drawingml/2006/main" xmlns:r="http://schemas.openxmlformats.org/officeDocument/2006/relationships" name="Tema BSGRUPO">
+<a:theme xmlns:a="http://schemas.openxmlformats.org/drawingml/2006/main" xmlns:r="http://schemas.openxmlformats.org/officeDocument/2006/relationships" name="Custom Theme">
   <a:themeElements>
-    <a:clrScheme name="Tema de Office">
+    <a:clrScheme name="Default">
       <a:dk1>
         <a:srgbClr val="000000"/>
       </a:dk1>
@@ -27559,34 +27531,34 @@
         <a:srgbClr val="FFFFFF"/>
       </a:lt1>
       <a:dk2>
-        <a:srgbClr val="44546A"/>
+        <a:srgbClr val="158158"/>
       </a:dk2>
       <a:lt2>
-        <a:srgbClr val="E7E6E6"/>
+        <a:srgbClr val="F3F3F3"/>
       </a:lt2>
       <a:accent1>
-        <a:srgbClr val="5B9BD5"/>
+        <a:srgbClr val="058DC7"/>
       </a:accent1>
       <a:accent2>
-        <a:srgbClr val="ED7D31"/>
+        <a:srgbClr val="50B432"/>
       </a:accent2>
       <a:accent3>
-        <a:srgbClr val="A5A5A5"/>
+        <a:srgbClr val="ED561B"/>
       </a:accent3>
       <a:accent4>
-        <a:srgbClr val="FFC000"/>
+        <a:srgbClr val="EDEF00"/>
       </a:accent4>
       <a:accent5>
-        <a:srgbClr val="4472C4"/>
+        <a:srgbClr val="24CBE5"/>
       </a:accent5>
       <a:accent6>
-        <a:srgbClr val="70AD47"/>
+        <a:srgbClr val="64E572"/>
       </a:accent6>
       <a:hlink>
-        <a:srgbClr val="0563C1"/>
+        <a:srgbClr val="2200CC"/>
       </a:hlink>
       <a:folHlink>
-        <a:srgbClr val="954F72"/>
+        <a:srgbClr val="551A8B"/>
       </a:folHlink>
     </a:clrScheme>
     <a:fontScheme name="Office">
